--- a/Presentation/Solid.pptx
+++ b/Presentation/Solid.pptx
@@ -306,7 +306,7 @@
               <a:rPr lang="de-DE" smtClean="0"/>
               <a:t>09.08.2016</a:t>
             </a:fld>
-            <a:endParaRPr lang="de-DE"/>
+            <a:endParaRPr lang="de-DE" dirty="0"/>
           </a:p>
         </p:txBody>
       </p:sp>
@@ -325,7 +325,7 @@
           <a:bodyPr/>
           <a:lstStyle/>
           <a:p>
-            <a:endParaRPr lang="de-DE"/>
+            <a:endParaRPr lang="de-DE" dirty="0"/>
           </a:p>
         </p:txBody>
       </p:sp>
@@ -348,7 +348,7 @@
               <a:rPr lang="de-DE" smtClean="0"/>
               <a:t>‹Nr.›</a:t>
             </a:fld>
-            <a:endParaRPr lang="de-DE"/>
+            <a:endParaRPr lang="de-DE" dirty="0"/>
           </a:p>
         </p:txBody>
       </p:sp>
@@ -474,7 +474,7 @@
               <a:rPr lang="de-DE" smtClean="0"/>
               <a:t>09.08.2016</a:t>
             </a:fld>
-            <a:endParaRPr lang="de-DE"/>
+            <a:endParaRPr lang="de-DE" dirty="0"/>
           </a:p>
         </p:txBody>
       </p:sp>
@@ -493,7 +493,7 @@
           <a:bodyPr/>
           <a:lstStyle/>
           <a:p>
-            <a:endParaRPr lang="de-DE"/>
+            <a:endParaRPr lang="de-DE" dirty="0"/>
           </a:p>
         </p:txBody>
       </p:sp>
@@ -516,7 +516,7 @@
               <a:rPr lang="de-DE" smtClean="0"/>
               <a:t>‹Nr.›</a:t>
             </a:fld>
-            <a:endParaRPr lang="de-DE"/>
+            <a:endParaRPr lang="de-DE" dirty="0"/>
           </a:p>
         </p:txBody>
       </p:sp>
@@ -652,7 +652,7 @@
               <a:rPr lang="de-DE" smtClean="0"/>
               <a:t>09.08.2016</a:t>
             </a:fld>
-            <a:endParaRPr lang="de-DE"/>
+            <a:endParaRPr lang="de-DE" dirty="0"/>
           </a:p>
         </p:txBody>
       </p:sp>
@@ -671,7 +671,7 @@
           <a:bodyPr/>
           <a:lstStyle/>
           <a:p>
-            <a:endParaRPr lang="de-DE"/>
+            <a:endParaRPr lang="de-DE" dirty="0"/>
           </a:p>
         </p:txBody>
       </p:sp>
@@ -694,7 +694,7 @@
               <a:rPr lang="de-DE" smtClean="0"/>
               <a:t>‹Nr.›</a:t>
             </a:fld>
-            <a:endParaRPr lang="de-DE"/>
+            <a:endParaRPr lang="de-DE" dirty="0"/>
           </a:p>
         </p:txBody>
       </p:sp>
@@ -820,7 +820,7 @@
               <a:rPr lang="de-DE" smtClean="0"/>
               <a:t>09.08.2016</a:t>
             </a:fld>
-            <a:endParaRPr lang="de-DE"/>
+            <a:endParaRPr lang="de-DE" dirty="0"/>
           </a:p>
         </p:txBody>
       </p:sp>
@@ -839,7 +839,7 @@
           <a:bodyPr/>
           <a:lstStyle/>
           <a:p>
-            <a:endParaRPr lang="de-DE"/>
+            <a:endParaRPr lang="de-DE" dirty="0"/>
           </a:p>
         </p:txBody>
       </p:sp>
@@ -862,7 +862,7 @@
               <a:rPr lang="de-DE" smtClean="0"/>
               <a:t>‹Nr.›</a:t>
             </a:fld>
-            <a:endParaRPr lang="de-DE"/>
+            <a:endParaRPr lang="de-DE" dirty="0"/>
           </a:p>
         </p:txBody>
       </p:sp>
@@ -1065,7 +1065,7 @@
               <a:rPr lang="de-DE" smtClean="0"/>
               <a:t>09.08.2016</a:t>
             </a:fld>
-            <a:endParaRPr lang="de-DE"/>
+            <a:endParaRPr lang="de-DE" dirty="0"/>
           </a:p>
         </p:txBody>
       </p:sp>
@@ -1084,7 +1084,7 @@
           <a:bodyPr/>
           <a:lstStyle/>
           <a:p>
-            <a:endParaRPr lang="de-DE"/>
+            <a:endParaRPr lang="de-DE" dirty="0"/>
           </a:p>
         </p:txBody>
       </p:sp>
@@ -1107,7 +1107,7 @@
               <a:rPr lang="de-DE" smtClean="0"/>
               <a:t>‹Nr.›</a:t>
             </a:fld>
-            <a:endParaRPr lang="de-DE"/>
+            <a:endParaRPr lang="de-DE" dirty="0"/>
           </a:p>
         </p:txBody>
       </p:sp>
@@ -1294,7 +1294,7 @@
               <a:rPr lang="de-DE" smtClean="0"/>
               <a:t>09.08.2016</a:t>
             </a:fld>
-            <a:endParaRPr lang="de-DE"/>
+            <a:endParaRPr lang="de-DE" dirty="0"/>
           </a:p>
         </p:txBody>
       </p:sp>
@@ -1313,7 +1313,7 @@
           <a:bodyPr/>
           <a:lstStyle/>
           <a:p>
-            <a:endParaRPr lang="de-DE"/>
+            <a:endParaRPr lang="de-DE" dirty="0"/>
           </a:p>
         </p:txBody>
       </p:sp>
@@ -1336,7 +1336,7 @@
               <a:rPr lang="de-DE" smtClean="0"/>
               <a:t>‹Nr.›</a:t>
             </a:fld>
-            <a:endParaRPr lang="de-DE"/>
+            <a:endParaRPr lang="de-DE" dirty="0"/>
           </a:p>
         </p:txBody>
       </p:sp>
@@ -1658,7 +1658,7 @@
               <a:rPr lang="de-DE" smtClean="0"/>
               <a:t>09.08.2016</a:t>
             </a:fld>
-            <a:endParaRPr lang="de-DE"/>
+            <a:endParaRPr lang="de-DE" dirty="0"/>
           </a:p>
         </p:txBody>
       </p:sp>
@@ -1677,7 +1677,7 @@
           <a:bodyPr/>
           <a:lstStyle/>
           <a:p>
-            <a:endParaRPr lang="de-DE"/>
+            <a:endParaRPr lang="de-DE" dirty="0"/>
           </a:p>
         </p:txBody>
       </p:sp>
@@ -1700,7 +1700,7 @@
               <a:rPr lang="de-DE" smtClean="0"/>
               <a:t>‹Nr.›</a:t>
             </a:fld>
-            <a:endParaRPr lang="de-DE"/>
+            <a:endParaRPr lang="de-DE" dirty="0"/>
           </a:p>
         </p:txBody>
       </p:sp>
@@ -1775,7 +1775,7 @@
               <a:rPr lang="de-DE" smtClean="0"/>
               <a:t>09.08.2016</a:t>
             </a:fld>
-            <a:endParaRPr lang="de-DE"/>
+            <a:endParaRPr lang="de-DE" dirty="0"/>
           </a:p>
         </p:txBody>
       </p:sp>
@@ -1794,7 +1794,7 @@
           <a:bodyPr/>
           <a:lstStyle/>
           <a:p>
-            <a:endParaRPr lang="de-DE"/>
+            <a:endParaRPr lang="de-DE" dirty="0"/>
           </a:p>
         </p:txBody>
       </p:sp>
@@ -1817,7 +1817,7 @@
               <a:rPr lang="de-DE" smtClean="0"/>
               <a:t>‹Nr.›</a:t>
             </a:fld>
-            <a:endParaRPr lang="de-DE"/>
+            <a:endParaRPr lang="de-DE" dirty="0"/>
           </a:p>
         </p:txBody>
       </p:sp>
@@ -1870,7 +1870,7 @@
               <a:rPr lang="de-DE" smtClean="0"/>
               <a:t>09.08.2016</a:t>
             </a:fld>
-            <a:endParaRPr lang="de-DE"/>
+            <a:endParaRPr lang="de-DE" dirty="0"/>
           </a:p>
         </p:txBody>
       </p:sp>
@@ -1889,7 +1889,7 @@
           <a:bodyPr/>
           <a:lstStyle/>
           <a:p>
-            <a:endParaRPr lang="de-DE"/>
+            <a:endParaRPr lang="de-DE" dirty="0"/>
           </a:p>
         </p:txBody>
       </p:sp>
@@ -1912,7 +1912,7 @@
               <a:rPr lang="de-DE" smtClean="0"/>
               <a:t>‹Nr.›</a:t>
             </a:fld>
-            <a:endParaRPr lang="de-DE"/>
+            <a:endParaRPr lang="de-DE" dirty="0"/>
           </a:p>
         </p:txBody>
       </p:sp>
@@ -2145,7 +2145,7 @@
               <a:rPr lang="de-DE" smtClean="0"/>
               <a:t>09.08.2016</a:t>
             </a:fld>
-            <a:endParaRPr lang="de-DE"/>
+            <a:endParaRPr lang="de-DE" dirty="0"/>
           </a:p>
         </p:txBody>
       </p:sp>
@@ -2164,7 +2164,7 @@
           <a:bodyPr/>
           <a:lstStyle/>
           <a:p>
-            <a:endParaRPr lang="de-DE"/>
+            <a:endParaRPr lang="de-DE" dirty="0"/>
           </a:p>
         </p:txBody>
       </p:sp>
@@ -2187,7 +2187,7 @@
               <a:rPr lang="de-DE" smtClean="0"/>
               <a:t>‹Nr.›</a:t>
             </a:fld>
-            <a:endParaRPr lang="de-DE"/>
+            <a:endParaRPr lang="de-DE" dirty="0"/>
           </a:p>
         </p:txBody>
       </p:sp>
@@ -2309,7 +2309,7 @@
             </a:lvl9pPr>
           </a:lstStyle>
           <a:p>
-            <a:endParaRPr lang="de-DE"/>
+            <a:endParaRPr lang="de-DE" dirty="0"/>
           </a:p>
         </p:txBody>
       </p:sp>
@@ -2397,7 +2397,7 @@
               <a:rPr lang="de-DE" smtClean="0"/>
               <a:t>09.08.2016</a:t>
             </a:fld>
-            <a:endParaRPr lang="de-DE"/>
+            <a:endParaRPr lang="de-DE" dirty="0"/>
           </a:p>
         </p:txBody>
       </p:sp>
@@ -2416,7 +2416,7 @@
           <a:bodyPr/>
           <a:lstStyle/>
           <a:p>
-            <a:endParaRPr lang="de-DE"/>
+            <a:endParaRPr lang="de-DE" dirty="0"/>
           </a:p>
         </p:txBody>
       </p:sp>
@@ -2439,7 +2439,7 @@
               <a:rPr lang="de-DE" smtClean="0"/>
               <a:t>‹Nr.›</a:t>
             </a:fld>
-            <a:endParaRPr lang="de-DE"/>
+            <a:endParaRPr lang="de-DE" dirty="0"/>
           </a:p>
         </p:txBody>
       </p:sp>
@@ -2638,7 +2638,7 @@
               <a:rPr lang="de-DE" smtClean="0"/>
               <a:t>09.08.2016</a:t>
             </a:fld>
-            <a:endParaRPr lang="de-DE"/>
+            <a:endParaRPr lang="de-DE" dirty="0"/>
           </a:p>
         </p:txBody>
       </p:sp>
@@ -2675,7 +2675,7 @@
             </a:lvl1pPr>
           </a:lstStyle>
           <a:p>
-            <a:endParaRPr lang="de-DE"/>
+            <a:endParaRPr lang="de-DE" dirty="0"/>
           </a:p>
         </p:txBody>
       </p:sp>
@@ -2716,7 +2716,7 @@
               <a:rPr lang="de-DE" smtClean="0"/>
               <a:t>‹Nr.›</a:t>
             </a:fld>
-            <a:endParaRPr lang="de-DE"/>
+            <a:endParaRPr lang="de-DE" dirty="0"/>
           </a:p>
         </p:txBody>
       </p:sp>
@@ -3078,7 +3078,7 @@
               </a:rPr>
             </a:br>
             <a:r>
-              <a:rPr lang="de-DE" sz="2000" dirty="0" err="1">
+              <a:rPr lang="de-DE" sz="2000" dirty="0">
                 <a:solidFill>
                   <a:schemeClr val="tx2">
                     <a:lumMod val="75000"/>
@@ -3241,51 +3241,7 @@
                 </a:solidFill>
                 <a:latin typeface="Arial Black" panose="020B0A04020102020204" pitchFamily="34" charset="0"/>
               </a:rPr>
-              <a:t>L  =  </a:t>
-            </a:r>
-            <a:r>
-              <a:rPr lang="de-DE" dirty="0" err="1">
-                <a:solidFill>
-                  <a:schemeClr val="tx2">
-                    <a:lumMod val="75000"/>
-                  </a:schemeClr>
-                </a:solidFill>
-                <a:latin typeface="Arial Black" panose="020B0A04020102020204" pitchFamily="34" charset="0"/>
-              </a:rPr>
-              <a:t>Liskov</a:t>
-            </a:r>
-            <a:r>
-              <a:rPr lang="de-DE" dirty="0">
-                <a:solidFill>
-                  <a:schemeClr val="tx2">
-                    <a:lumMod val="75000"/>
-                  </a:schemeClr>
-                </a:solidFill>
-                <a:latin typeface="Arial Black" panose="020B0A04020102020204" pitchFamily="34" charset="0"/>
-              </a:rPr>
-              <a:t> </a:t>
-            </a:r>
-            <a:r>
-              <a:rPr lang="de-DE" dirty="0" err="1">
-                <a:solidFill>
-                  <a:schemeClr val="tx2">
-                    <a:lumMod val="75000"/>
-                  </a:schemeClr>
-                </a:solidFill>
-                <a:latin typeface="Arial Black" panose="020B0A04020102020204" pitchFamily="34" charset="0"/>
-              </a:rPr>
-              <a:t>substitution</a:t>
-            </a:r>
-            <a:r>
-              <a:rPr lang="de-DE" dirty="0">
-                <a:solidFill>
-                  <a:schemeClr val="tx2">
-                    <a:lumMod val="75000"/>
-                  </a:schemeClr>
-                </a:solidFill>
-                <a:latin typeface="Arial Black" panose="020B0A04020102020204" pitchFamily="34" charset="0"/>
-              </a:rPr>
-              <a:t> principle</a:t>
+              <a:t>L  =  Liskov substitution principle</a:t>
             </a:r>
           </a:p>
         </p:txBody>
@@ -3493,51 +3449,7 @@
                 </a:solidFill>
                 <a:latin typeface="Arial Black" panose="020B0A04020102020204" pitchFamily="34" charset="0"/>
               </a:rPr>
-              <a:t>L  =  </a:t>
-            </a:r>
-            <a:r>
-              <a:rPr lang="de-DE" dirty="0" err="1">
-                <a:solidFill>
-                  <a:schemeClr val="tx2">
-                    <a:lumMod val="75000"/>
-                  </a:schemeClr>
-                </a:solidFill>
-                <a:latin typeface="Arial Black" panose="020B0A04020102020204" pitchFamily="34" charset="0"/>
-              </a:rPr>
-              <a:t>Liskov</a:t>
-            </a:r>
-            <a:r>
-              <a:rPr lang="de-DE" dirty="0">
-                <a:solidFill>
-                  <a:schemeClr val="tx2">
-                    <a:lumMod val="75000"/>
-                  </a:schemeClr>
-                </a:solidFill>
-                <a:latin typeface="Arial Black" panose="020B0A04020102020204" pitchFamily="34" charset="0"/>
-              </a:rPr>
-              <a:t> </a:t>
-            </a:r>
-            <a:r>
-              <a:rPr lang="de-DE" dirty="0" err="1">
-                <a:solidFill>
-                  <a:schemeClr val="tx2">
-                    <a:lumMod val="75000"/>
-                  </a:schemeClr>
-                </a:solidFill>
-                <a:latin typeface="Arial Black" panose="020B0A04020102020204" pitchFamily="34" charset="0"/>
-              </a:rPr>
-              <a:t>substitution</a:t>
-            </a:r>
-            <a:r>
-              <a:rPr lang="de-DE" dirty="0">
-                <a:solidFill>
-                  <a:schemeClr val="tx2">
-                    <a:lumMod val="75000"/>
-                  </a:schemeClr>
-                </a:solidFill>
-                <a:latin typeface="Arial Black" panose="020B0A04020102020204" pitchFamily="34" charset="0"/>
-              </a:rPr>
-              <a:t> principle</a:t>
+              <a:t>L  =  Liskov substitution principle</a:t>
             </a:r>
           </a:p>
         </p:txBody>
@@ -3639,7 +3551,7 @@
               <a:t> </a:t>
             </a:r>
             <a:r>
-              <a:rPr lang="de-DE" sz="2400" b="1" dirty="0" err="1">
+              <a:rPr lang="de-DE" sz="2400" b="1" dirty="0">
                 <a:solidFill>
                   <a:srgbClr val="FF0000"/>
                 </a:solidFill>
@@ -3677,20 +3589,12 @@
               <a:buChar char="§"/>
             </a:pPr>
             <a:r>
-              <a:rPr lang="de-DE" sz="2400" b="1" dirty="0" err="1">
+              <a:rPr lang="de-DE" sz="2400" b="1" dirty="0">
                 <a:solidFill>
                   <a:srgbClr val="00B050"/>
                 </a:solidFill>
               </a:rPr>
-              <a:t>Exceptions</a:t>
-            </a:r>
-            <a:r>
-              <a:rPr lang="de-DE" sz="2400" b="1" dirty="0">
-                <a:solidFill>
-                  <a:srgbClr val="00B050"/>
-                </a:solidFill>
-              </a:rPr>
-              <a:t> der Basis-Klasse </a:t>
+              <a:t>Exceptions der Basis-Klasse </a:t>
             </a:r>
             <a:r>
               <a:rPr lang="de-DE" sz="2400" dirty="0">
@@ -4451,13 +4355,13 @@
   <p:clrMapOvr>
     <a:masterClrMapping/>
   </p:clrMapOvr>
-  <mc:AlternateContent xmlns:mc="http://schemas.openxmlformats.org/markup-compatibility/2006">
-    <mc:Choice xmlns:p14="http://schemas.microsoft.com/office/powerpoint/2010/main" Requires="p14">
+  <mc:AlternateContent xmlns:mc="http://schemas.openxmlformats.org/markup-compatibility/2006" xmlns:p14="http://schemas.microsoft.com/office/powerpoint/2010/main">
+    <mc:Choice Requires="p14">
       <p:transition spd="slow" p14:dur="800">
         <p:circle/>
       </p:transition>
     </mc:Choice>
-    <mc:Fallback>
+    <mc:Fallback xmlns="">
       <p:transition spd="slow">
         <p:circle/>
       </p:transition>
@@ -5237,7 +5141,7 @@
                   <a:srgbClr val="00B050"/>
                 </a:solidFill>
               </a:rPr>
-              <a:t>Präsentation und Sourcecode:</a:t>
+              <a:t>Präsentation und Code:</a:t>
             </a:r>
           </a:p>
           <a:p>
@@ -5421,13 +5325,13 @@
   <p:clrMapOvr>
     <a:masterClrMapping/>
   </p:clrMapOvr>
-  <mc:AlternateContent xmlns:mc="http://schemas.openxmlformats.org/markup-compatibility/2006">
-    <mc:Choice xmlns:p159="http://schemas.microsoft.com/office/powerpoint/2015/09/main" Requires="p159">
+  <mc:AlternateContent xmlns:mc="http://schemas.openxmlformats.org/markup-compatibility/2006" xmlns:p159="http://schemas.microsoft.com/office/powerpoint/2015/09/main">
+    <mc:Choice Requires="p159">
       <p:transition xmlns:p14="http://schemas.microsoft.com/office/powerpoint/2010/main" spd="slow" p14:dur="2000">
         <p159:morph option="byObject"/>
       </p:transition>
     </mc:Choice>
-    <mc:Fallback>
+    <mc:Fallback xmlns="">
       <p:transition spd="slow">
         <p:fade/>
       </p:transition>
@@ -5799,13 +5703,13 @@
   <p:clrMapOvr>
     <a:masterClrMapping/>
   </p:clrMapOvr>
-  <mc:AlternateContent xmlns:mc="http://schemas.openxmlformats.org/markup-compatibility/2006">
-    <mc:Choice xmlns:p14="http://schemas.microsoft.com/office/powerpoint/2010/main" Requires="p14">
+  <mc:AlternateContent xmlns:mc="http://schemas.openxmlformats.org/markup-compatibility/2006" xmlns:p14="http://schemas.microsoft.com/office/powerpoint/2010/main">
+    <mc:Choice Requires="p14">
       <p:transition spd="slow" p14:dur="800">
         <p:circle/>
       </p:transition>
     </mc:Choice>
-    <mc:Fallback>
+    <mc:Fallback xmlns="">
       <p:transition spd="slow">
         <p:circle/>
       </p:transition>
@@ -5863,29 +5767,7 @@
                 </a:solidFill>
                 <a:latin typeface="Arial Black" panose="020B0A04020102020204" pitchFamily="34" charset="0"/>
               </a:rPr>
-              <a:t>S  =  Single </a:t>
-            </a:r>
-            <a:r>
-              <a:rPr lang="de-DE" dirty="0" err="1">
-                <a:solidFill>
-                  <a:schemeClr val="tx2">
-                    <a:lumMod val="75000"/>
-                  </a:schemeClr>
-                </a:solidFill>
-                <a:latin typeface="Arial Black" panose="020B0A04020102020204" pitchFamily="34" charset="0"/>
-              </a:rPr>
-              <a:t>responsibility</a:t>
-            </a:r>
-            <a:r>
-              <a:rPr lang="de-DE" dirty="0">
-                <a:solidFill>
-                  <a:schemeClr val="tx2">
-                    <a:lumMod val="75000"/>
-                  </a:schemeClr>
-                </a:solidFill>
-                <a:latin typeface="Arial Black" panose="020B0A04020102020204" pitchFamily="34" charset="0"/>
-              </a:rPr>
-              <a:t> principle</a:t>
+              <a:t>S  =  Single responsibility principle</a:t>
             </a:r>
           </a:p>
         </p:txBody>
@@ -6201,29 +6083,7 @@
                 </a:solidFill>
                 <a:latin typeface="Arial Black" panose="020B0A04020102020204" pitchFamily="34" charset="0"/>
               </a:rPr>
-              <a:t>O  =  Open/</a:t>
-            </a:r>
-            <a:r>
-              <a:rPr lang="de-DE" dirty="0" err="1">
-                <a:solidFill>
-                  <a:schemeClr val="tx2">
-                    <a:lumMod val="75000"/>
-                  </a:schemeClr>
-                </a:solidFill>
-                <a:latin typeface="Arial Black" panose="020B0A04020102020204" pitchFamily="34" charset="0"/>
-              </a:rPr>
-              <a:t>Closed</a:t>
-            </a:r>
-            <a:r>
-              <a:rPr lang="de-DE" dirty="0">
-                <a:solidFill>
-                  <a:schemeClr val="tx2">
-                    <a:lumMod val="75000"/>
-                  </a:schemeClr>
-                </a:solidFill>
-                <a:latin typeface="Arial Black" panose="020B0A04020102020204" pitchFamily="34" charset="0"/>
-              </a:rPr>
-              <a:t> principle</a:t>
+              <a:t>O  =  Open/Closed principle</a:t>
             </a:r>
           </a:p>
         </p:txBody>
